--- a/Presentation1.pptx
+++ b/Presentation1.pptx
@@ -9382,6 +9382,66 @@
           <a:xfrm>
             <a:off x="45720" y="845046"/>
             <a:ext cx="4993292" cy="1828800"/>
+          </a:xfrm>
+          <a:prstGeom prst="rect">
+            <a:avLst/>
+          </a:prstGeom>
+        </p:spPr>
+      </p:pic>
+      <p:pic>
+        <p:nvPicPr>
+          <p:cNvPr id="5" name="Picture 4">
+            <a:extLst>
+              <a:ext uri="{FF2B5EF4-FFF2-40B4-BE49-F238E27FC236}">
+                <a16:creationId xmlns:a16="http://schemas.microsoft.com/office/drawing/2014/main" id="{C3782F48-FD6F-6905-256B-FC27EA66E964}"/>
+              </a:ext>
+            </a:extLst>
+          </p:cNvPr>
+          <p:cNvPicPr>
+            <a:picLocks noChangeAspect="1"/>
+          </p:cNvPicPr>
+          <p:nvPr/>
+        </p:nvPicPr>
+        <p:blipFill>
+          <a:blip r:embed="rId3"/>
+          <a:stretch>
+            <a:fillRect/>
+          </a:stretch>
+        </p:blipFill>
+        <p:spPr>
+          <a:xfrm>
+            <a:off x="45723" y="2719566"/>
+            <a:ext cx="5148073" cy="1828800"/>
+          </a:xfrm>
+          <a:prstGeom prst="rect">
+            <a:avLst/>
+          </a:prstGeom>
+        </p:spPr>
+      </p:pic>
+      <p:pic>
+        <p:nvPicPr>
+          <p:cNvPr id="8" name="Picture 7">
+            <a:extLst>
+              <a:ext uri="{FF2B5EF4-FFF2-40B4-BE49-F238E27FC236}">
+                <a16:creationId xmlns:a16="http://schemas.microsoft.com/office/drawing/2014/main" id="{484478BE-229F-D0EE-D24F-EAD6CB1D0506}"/>
+              </a:ext>
+            </a:extLst>
+          </p:cNvPr>
+          <p:cNvPicPr>
+            <a:picLocks noChangeAspect="1"/>
+          </p:cNvPicPr>
+          <p:nvPr/>
+        </p:nvPicPr>
+        <p:blipFill>
+          <a:blip r:embed="rId4"/>
+          <a:stretch>
+            <a:fillRect/>
+          </a:stretch>
+        </p:blipFill>
+        <p:spPr>
+          <a:xfrm>
+            <a:off x="45721" y="4594086"/>
+            <a:ext cx="5134446" cy="731520"/>
           </a:xfrm>
           <a:prstGeom prst="rect">
             <a:avLst/>

--- a/Presentation1.pptx
+++ b/Presentation1.pptx
@@ -5,11 +5,10 @@
     <p:sldMasterId id="2147483648" r:id="rId1"/>
   </p:sldMasterIdLst>
   <p:notesMasterIdLst>
-    <p:notesMasterId r:id="rId4"/>
+    <p:notesMasterId r:id="rId3"/>
   </p:notesMasterIdLst>
   <p:sldIdLst>
     <p:sldId id="289" r:id="rId2"/>
-    <p:sldId id="266" r:id="rId3"/>
   </p:sldIdLst>
   <p:sldSz cx="12192000" cy="6858000"/>
   <p:notesSz cx="6858000" cy="9144000"/>
@@ -198,7 +197,7 @@
           <a:p>
             <a:fld id="{2A718054-8330-483C-89D1-73605D9725B1}" type="datetimeFigureOut">
               <a:rPr lang="en-US" smtClean="0"/>
-              <a:t>9/30/2024</a:t>
+              <a:t>11/24/2024</a:t>
             </a:fld>
             <a:endParaRPr lang="en-US"/>
           </a:p>
@@ -612,7 +611,7 @@
           <a:p>
             <a:fld id="{3AAC2A78-C833-4EA4-B2D3-F822EDEBED60}" type="datetimeFigureOut">
               <a:rPr lang="en-US" smtClean="0"/>
-              <a:t>9/30/2024</a:t>
+              <a:t>11/24/2024</a:t>
             </a:fld>
             <a:endParaRPr lang="en-US"/>
           </a:p>
@@ -810,7 +809,7 @@
           <a:p>
             <a:fld id="{3AAC2A78-C833-4EA4-B2D3-F822EDEBED60}" type="datetimeFigureOut">
               <a:rPr lang="en-US" smtClean="0"/>
-              <a:t>9/30/2024</a:t>
+              <a:t>11/24/2024</a:t>
             </a:fld>
             <a:endParaRPr lang="en-US"/>
           </a:p>
@@ -1018,7 +1017,7 @@
           <a:p>
             <a:fld id="{3AAC2A78-C833-4EA4-B2D3-F822EDEBED60}" type="datetimeFigureOut">
               <a:rPr lang="en-US" smtClean="0"/>
-              <a:t>9/30/2024</a:t>
+              <a:t>11/24/2024</a:t>
             </a:fld>
             <a:endParaRPr lang="en-US"/>
           </a:p>
@@ -1216,7 +1215,7 @@
           <a:p>
             <a:fld id="{3AAC2A78-C833-4EA4-B2D3-F822EDEBED60}" type="datetimeFigureOut">
               <a:rPr lang="en-US" smtClean="0"/>
-              <a:t>9/30/2024</a:t>
+              <a:t>11/24/2024</a:t>
             </a:fld>
             <a:endParaRPr lang="en-US"/>
           </a:p>
@@ -1491,7 +1490,7 @@
           <a:p>
             <a:fld id="{3AAC2A78-C833-4EA4-B2D3-F822EDEBED60}" type="datetimeFigureOut">
               <a:rPr lang="en-US" smtClean="0"/>
-              <a:t>9/30/2024</a:t>
+              <a:t>11/24/2024</a:t>
             </a:fld>
             <a:endParaRPr lang="en-US"/>
           </a:p>
@@ -1756,7 +1755,7 @@
           <a:p>
             <a:fld id="{3AAC2A78-C833-4EA4-B2D3-F822EDEBED60}" type="datetimeFigureOut">
               <a:rPr lang="en-US" smtClean="0"/>
-              <a:t>9/30/2024</a:t>
+              <a:t>11/24/2024</a:t>
             </a:fld>
             <a:endParaRPr lang="en-US"/>
           </a:p>
@@ -2168,7 +2167,7 @@
           <a:p>
             <a:fld id="{3AAC2A78-C833-4EA4-B2D3-F822EDEBED60}" type="datetimeFigureOut">
               <a:rPr lang="en-US" smtClean="0"/>
-              <a:t>9/30/2024</a:t>
+              <a:t>11/24/2024</a:t>
             </a:fld>
             <a:endParaRPr lang="en-US"/>
           </a:p>
@@ -2309,7 +2308,7 @@
           <a:p>
             <a:fld id="{3AAC2A78-C833-4EA4-B2D3-F822EDEBED60}" type="datetimeFigureOut">
               <a:rPr lang="en-US" smtClean="0"/>
-              <a:t>9/30/2024</a:t>
+              <a:t>11/24/2024</a:t>
             </a:fld>
             <a:endParaRPr lang="en-US"/>
           </a:p>
@@ -2422,7 +2421,7 @@
           <a:p>
             <a:fld id="{3AAC2A78-C833-4EA4-B2D3-F822EDEBED60}" type="datetimeFigureOut">
               <a:rPr lang="en-US" smtClean="0"/>
-              <a:t>9/30/2024</a:t>
+              <a:t>11/24/2024</a:t>
             </a:fld>
             <a:endParaRPr lang="en-US"/>
           </a:p>
@@ -2733,7 +2732,7 @@
           <a:p>
             <a:fld id="{3AAC2A78-C833-4EA4-B2D3-F822EDEBED60}" type="datetimeFigureOut">
               <a:rPr lang="en-US" smtClean="0"/>
-              <a:t>9/30/2024</a:t>
+              <a:t>11/24/2024</a:t>
             </a:fld>
             <a:endParaRPr lang="en-US"/>
           </a:p>
@@ -3021,7 +3020,7 @@
           <a:p>
             <a:fld id="{3AAC2A78-C833-4EA4-B2D3-F822EDEBED60}" type="datetimeFigureOut">
               <a:rPr lang="en-US" smtClean="0"/>
-              <a:t>9/30/2024</a:t>
+              <a:t>11/24/2024</a:t>
             </a:fld>
             <a:endParaRPr lang="en-US"/>
           </a:p>
@@ -3262,7 +3261,7 @@
           <a:p>
             <a:fld id="{3AAC2A78-C833-4EA4-B2D3-F822EDEBED60}" type="datetimeFigureOut">
               <a:rPr lang="en-US" smtClean="0"/>
-              <a:t>9/30/2024</a:t>
+              <a:t>11/24/2024</a:t>
             </a:fld>
             <a:endParaRPr lang="en-US"/>
           </a:p>
@@ -4138,494 +4137,6 @@
     <p:extLst>
       <p:ext uri="{BB962C8B-B14F-4D97-AF65-F5344CB8AC3E}">
         <p14:creationId xmlns:p14="http://schemas.microsoft.com/office/powerpoint/2010/main" val="3413731452"/>
-      </p:ext>
-    </p:extLst>
-  </p:cSld>
-  <p:clrMapOvr>
-    <a:masterClrMapping/>
-  </p:clrMapOvr>
-</p:sld>
-</file>
-
-<file path=ppt/slides/slide2.xml><?xml version="1.0" encoding="utf-8"?>
-<p:sld xmlns:a="http://schemas.openxmlformats.org/drawingml/2006/main" xmlns:r="http://schemas.openxmlformats.org/officeDocument/2006/relationships" xmlns:p="http://schemas.openxmlformats.org/presentationml/2006/main">
-  <p:cSld>
-    <p:spTree>
-      <p:nvGrpSpPr>
-        <p:cNvPr id="1" name=""/>
-        <p:cNvGrpSpPr/>
-        <p:nvPr/>
-      </p:nvGrpSpPr>
-      <p:grpSpPr>
-        <a:xfrm>
-          <a:off x="0" y="0"/>
-          <a:ext cx="0" cy="0"/>
-          <a:chOff x="0" y="0"/>
-          <a:chExt cx="0" cy="0"/>
-        </a:xfrm>
-      </p:grpSpPr>
-      <p:sp>
-        <p:nvSpPr>
-          <p:cNvPr id="3" name="TextBox 2">
-            <a:extLst>
-              <a:ext uri="{FF2B5EF4-FFF2-40B4-BE49-F238E27FC236}">
-                <a16:creationId xmlns:a16="http://schemas.microsoft.com/office/drawing/2014/main" id="{457DFA07-5972-4C95-364C-B0D3FC02C65A}"/>
-              </a:ext>
-            </a:extLst>
-          </p:cNvPr>
-          <p:cNvSpPr txBox="1"/>
-          <p:nvPr/>
-        </p:nvSpPr>
-        <p:spPr>
-          <a:xfrm>
-            <a:off x="395478" y="1342382"/>
-            <a:ext cx="6094476" cy="369332"/>
-          </a:xfrm>
-          <a:prstGeom prst="rect">
-            <a:avLst/>
-          </a:prstGeom>
-          <a:noFill/>
-        </p:spPr>
-        <p:txBody>
-          <a:bodyPr wrap="square">
-            <a:spAutoFit/>
-          </a:bodyPr>
-          <a:lstStyle/>
-          <a:p>
-            <a:r>
-              <a:rPr lang="en-US" dirty="0" err="1"/>
-              <a:t>php</a:t>
-            </a:r>
-            <a:r>
-              <a:rPr lang="en-US" dirty="0"/>
-              <a:t> artisan </a:t>
-            </a:r>
-            <a:r>
-              <a:rPr lang="en-US" dirty="0" err="1"/>
-              <a:t>optimize:clear</a:t>
-            </a:r>
-            <a:endParaRPr lang="en-US" dirty="0"/>
-          </a:p>
-        </p:txBody>
-      </p:sp>
-      <p:sp>
-        <p:nvSpPr>
-          <p:cNvPr id="6" name="TextBox 5">
-            <a:extLst>
-              <a:ext uri="{FF2B5EF4-FFF2-40B4-BE49-F238E27FC236}">
-                <a16:creationId xmlns:a16="http://schemas.microsoft.com/office/drawing/2014/main" id="{565D62F3-A09C-5848-64D8-069D0937FF53}"/>
-              </a:ext>
-            </a:extLst>
-          </p:cNvPr>
-          <p:cNvSpPr txBox="1"/>
-          <p:nvPr/>
-        </p:nvSpPr>
-        <p:spPr>
-          <a:xfrm>
-            <a:off x="852678" y="2156198"/>
-            <a:ext cx="6094476" cy="369332"/>
-          </a:xfrm>
-          <a:prstGeom prst="rect">
-            <a:avLst/>
-          </a:prstGeom>
-          <a:noFill/>
-        </p:spPr>
-        <p:txBody>
-          <a:bodyPr wrap="square">
-            <a:spAutoFit/>
-          </a:bodyPr>
-          <a:lstStyle/>
-          <a:p>
-            <a:r>
-              <a:rPr lang="en-US" dirty="0" err="1"/>
-              <a:t>npm</a:t>
-            </a:r>
-            <a:r>
-              <a:rPr lang="en-US" dirty="0"/>
-              <a:t> cache clean --force</a:t>
-            </a:r>
-          </a:p>
-        </p:txBody>
-      </p:sp>
-      <p:sp>
-        <p:nvSpPr>
-          <p:cNvPr id="4" name="TextBox 3">
-            <a:extLst>
-              <a:ext uri="{FF2B5EF4-FFF2-40B4-BE49-F238E27FC236}">
-                <a16:creationId xmlns:a16="http://schemas.microsoft.com/office/drawing/2014/main" id="{2B7D77D2-EC4D-37B3-2834-EF1C7BE78139}"/>
-              </a:ext>
-            </a:extLst>
-          </p:cNvPr>
-          <p:cNvSpPr txBox="1"/>
-          <p:nvPr/>
-        </p:nvSpPr>
-        <p:spPr>
-          <a:xfrm>
-            <a:off x="3047238" y="2967335"/>
-            <a:ext cx="6094476" cy="923330"/>
-          </a:xfrm>
-          <a:prstGeom prst="rect">
-            <a:avLst/>
-          </a:prstGeom>
-          <a:noFill/>
-        </p:spPr>
-        <p:txBody>
-          <a:bodyPr wrap="square">
-            <a:spAutoFit/>
-          </a:bodyPr>
-          <a:lstStyle/>
-          <a:p>
-            <a:r>
-              <a:rPr lang="en-US" dirty="0" err="1"/>
-              <a:t>php</a:t>
-            </a:r>
-            <a:r>
-              <a:rPr lang="en-US" dirty="0"/>
-              <a:t> artisan </a:t>
-            </a:r>
-            <a:r>
-              <a:rPr lang="en-US" dirty="0" err="1"/>
-              <a:t>migrate:refresh</a:t>
-            </a:r>
-            <a:r>
-              <a:rPr lang="en-US" dirty="0"/>
-              <a:t> --path=/database/migrations/2024_07_28_130648_create_buys_details_confirms_table.php</a:t>
-            </a:r>
-          </a:p>
-        </p:txBody>
-      </p:sp>
-      <p:sp>
-        <p:nvSpPr>
-          <p:cNvPr id="5" name="TextBox 4">
-            <a:extLst>
-              <a:ext uri="{FF2B5EF4-FFF2-40B4-BE49-F238E27FC236}">
-                <a16:creationId xmlns:a16="http://schemas.microsoft.com/office/drawing/2014/main" id="{3147E931-90F7-E8BA-9129-D9EE9A271A68}"/>
-              </a:ext>
-            </a:extLst>
-          </p:cNvPr>
-          <p:cNvSpPr txBox="1"/>
-          <p:nvPr/>
-        </p:nvSpPr>
-        <p:spPr>
-          <a:xfrm>
-            <a:off x="2498598" y="5146286"/>
-            <a:ext cx="6094476" cy="369332"/>
-          </a:xfrm>
-          <a:prstGeom prst="rect">
-            <a:avLst/>
-          </a:prstGeom>
-          <a:noFill/>
-        </p:spPr>
-        <p:txBody>
-          <a:bodyPr wrap="square">
-            <a:spAutoFit/>
-          </a:bodyPr>
-          <a:lstStyle/>
-          <a:p>
-            <a:r>
-              <a:rPr lang="en-US" dirty="0" err="1"/>
-              <a:t>php</a:t>
-            </a:r>
-            <a:r>
-              <a:rPr lang="en-US" dirty="0"/>
-              <a:t> artisan </a:t>
-            </a:r>
-            <a:r>
-              <a:rPr lang="en-US" dirty="0" err="1"/>
-              <a:t>cache:forget</a:t>
-            </a:r>
-            <a:r>
-              <a:rPr lang="en-US" dirty="0"/>
-              <a:t> </a:t>
-            </a:r>
-            <a:r>
-              <a:rPr lang="en-US" dirty="0" err="1"/>
-              <a:t>spatie.permission.cache</a:t>
-            </a:r>
-            <a:endParaRPr lang="en-US" dirty="0"/>
-          </a:p>
-        </p:txBody>
-      </p:sp>
-      <p:sp>
-        <p:nvSpPr>
-          <p:cNvPr id="7" name="TextBox 6">
-            <a:extLst>
-              <a:ext uri="{FF2B5EF4-FFF2-40B4-BE49-F238E27FC236}">
-                <a16:creationId xmlns:a16="http://schemas.microsoft.com/office/drawing/2014/main" id="{38119C4F-D9C8-D676-7EF8-2C7CA35A0585}"/>
-              </a:ext>
-            </a:extLst>
-          </p:cNvPr>
-          <p:cNvSpPr txBox="1"/>
-          <p:nvPr/>
-        </p:nvSpPr>
-        <p:spPr>
-          <a:xfrm>
-            <a:off x="2002536" y="4871966"/>
-            <a:ext cx="2299027" cy="369332"/>
-          </a:xfrm>
-          <a:prstGeom prst="rect">
-            <a:avLst/>
-          </a:prstGeom>
-          <a:noFill/>
-        </p:spPr>
-        <p:txBody>
-          <a:bodyPr wrap="none" rtlCol="0">
-            <a:spAutoFit/>
-          </a:bodyPr>
-          <a:lstStyle/>
-          <a:p>
-            <a:r>
-              <a:rPr lang="fa-IR" dirty="0"/>
-              <a:t>وقتی یک پرمیشن جدید مزنم</a:t>
-            </a:r>
-          </a:p>
-        </p:txBody>
-      </p:sp>
-      <p:sp>
-        <p:nvSpPr>
-          <p:cNvPr id="8" name="TextBox 7">
-            <a:extLst>
-              <a:ext uri="{FF2B5EF4-FFF2-40B4-BE49-F238E27FC236}">
-                <a16:creationId xmlns:a16="http://schemas.microsoft.com/office/drawing/2014/main" id="{61DC5B06-4D7D-3454-6B36-1CFE2FB5D803}"/>
-              </a:ext>
-            </a:extLst>
-          </p:cNvPr>
-          <p:cNvSpPr txBox="1"/>
-          <p:nvPr/>
-        </p:nvSpPr>
-        <p:spPr>
-          <a:xfrm>
-            <a:off x="4729734" y="1881878"/>
-            <a:ext cx="6094476" cy="369332"/>
-          </a:xfrm>
-          <a:prstGeom prst="rect">
-            <a:avLst/>
-          </a:prstGeom>
-          <a:noFill/>
-        </p:spPr>
-        <p:txBody>
-          <a:bodyPr wrap="square">
-            <a:spAutoFit/>
-          </a:bodyPr>
-          <a:lstStyle/>
-          <a:p>
-            <a:r>
-              <a:rPr lang="en-US" b="0" i="0" dirty="0" err="1">
-                <a:solidFill>
-                  <a:srgbClr val="BFC7D5"/>
-                </a:solidFill>
-                <a:effectLst/>
-                <a:highlight>
-                  <a:srgbClr val="252A37"/>
-                </a:highlight>
-                <a:latin typeface="source-code-pro"/>
-              </a:rPr>
-              <a:t>php</a:t>
-            </a:r>
-            <a:r>
-              <a:rPr lang="en-US" b="0" i="0" dirty="0">
-                <a:solidFill>
-                  <a:srgbClr val="BFC7D5"/>
-                </a:solidFill>
-                <a:effectLst/>
-                <a:highlight>
-                  <a:srgbClr val="252A37"/>
-                </a:highlight>
-                <a:latin typeface="source-code-pro"/>
-              </a:rPr>
-              <a:t> artisan </a:t>
-            </a:r>
-            <a:r>
-              <a:rPr lang="en-US" b="0" i="0" dirty="0" err="1">
-                <a:solidFill>
-                  <a:srgbClr val="BFC7D5"/>
-                </a:solidFill>
-                <a:effectLst/>
-                <a:highlight>
-                  <a:srgbClr val="252A37"/>
-                </a:highlight>
-                <a:latin typeface="source-code-pro"/>
-              </a:rPr>
-              <a:t>db:seed</a:t>
-            </a:r>
-            <a:r>
-              <a:rPr lang="en-US" b="0" i="0" dirty="0">
-                <a:solidFill>
-                  <a:srgbClr val="BFC7D5"/>
-                </a:solidFill>
-                <a:effectLst/>
-                <a:highlight>
-                  <a:srgbClr val="252A37"/>
-                </a:highlight>
-                <a:latin typeface="source-code-pro"/>
-              </a:rPr>
-              <a:t> </a:t>
-            </a:r>
-            <a:r>
-              <a:rPr lang="en-US" b="0" i="0" dirty="0">
-                <a:solidFill>
-                  <a:srgbClr val="82AAFF"/>
-                </a:solidFill>
-                <a:effectLst/>
-                <a:highlight>
-                  <a:srgbClr val="252A37"/>
-                </a:highlight>
-                <a:latin typeface="source-code-pro"/>
-              </a:rPr>
-              <a:t>--class=</a:t>
-            </a:r>
-            <a:r>
-              <a:rPr lang="en-US" b="0" i="0" dirty="0" err="1">
-                <a:solidFill>
-                  <a:srgbClr val="82AAFF"/>
-                </a:solidFill>
-                <a:effectLst/>
-                <a:highlight>
-                  <a:srgbClr val="252A37"/>
-                </a:highlight>
-                <a:latin typeface="source-code-pro"/>
-              </a:rPr>
-              <a:t>UserSeeder</a:t>
-            </a:r>
-            <a:endParaRPr lang="en-US" dirty="0"/>
-          </a:p>
-        </p:txBody>
-      </p:sp>
-      <p:sp>
-        <p:nvSpPr>
-          <p:cNvPr id="9" name="TextBox 8">
-            <a:extLst>
-              <a:ext uri="{FF2B5EF4-FFF2-40B4-BE49-F238E27FC236}">
-                <a16:creationId xmlns:a16="http://schemas.microsoft.com/office/drawing/2014/main" id="{7082E1B3-EFE0-C092-3C54-6BBB6EADF8F7}"/>
-              </a:ext>
-            </a:extLst>
-          </p:cNvPr>
-          <p:cNvSpPr txBox="1"/>
-          <p:nvPr/>
-        </p:nvSpPr>
-        <p:spPr>
-          <a:xfrm>
-            <a:off x="4876038" y="4332470"/>
-            <a:ext cx="6094476" cy="369332"/>
-          </a:xfrm>
-          <a:prstGeom prst="rect">
-            <a:avLst/>
-          </a:prstGeom>
-          <a:noFill/>
-        </p:spPr>
-        <p:txBody>
-          <a:bodyPr wrap="square">
-            <a:spAutoFit/>
-          </a:bodyPr>
-          <a:lstStyle/>
-          <a:p>
-            <a:r>
-              <a:rPr lang="en-US" dirty="0"/>
-              <a:t>git rm -r --cached storage/logs</a:t>
-            </a:r>
-          </a:p>
-        </p:txBody>
-      </p:sp>
-      <p:sp>
-        <p:nvSpPr>
-          <p:cNvPr id="2" name="Rectangle 1">
-            <a:extLst>
-              <a:ext uri="{FF2B5EF4-FFF2-40B4-BE49-F238E27FC236}">
-                <a16:creationId xmlns:a16="http://schemas.microsoft.com/office/drawing/2014/main" id="{47928FFF-762C-40F4-671C-0F65311730E6}"/>
-              </a:ext>
-            </a:extLst>
-          </p:cNvPr>
-          <p:cNvSpPr>
-            <a:spLocks noChangeArrowheads="1"/>
-          </p:cNvSpPr>
-          <p:nvPr/>
-        </p:nvSpPr>
-        <p:spPr bwMode="auto">
-          <a:xfrm>
-            <a:off x="1243584" y="886971"/>
-            <a:ext cx="2752869" cy="276999"/>
-          </a:xfrm>
-          <a:prstGeom prst="rect">
-            <a:avLst/>
-          </a:prstGeom>
-          <a:noFill/>
-          <a:ln>
-            <a:noFill/>
-          </a:ln>
-          <a:effectLst/>
-          <a:extLst>
-            <a:ext uri="{909E8E84-426E-40DD-AFC4-6F175D3DCCD1}">
-              <a14:hiddenFill xmlns:a14="http://schemas.microsoft.com/office/drawing/2010/main">
-                <a:solidFill>
-                  <a:schemeClr val="accent1"/>
-                </a:solidFill>
-              </a14:hiddenFill>
-            </a:ext>
-            <a:ext uri="{91240B29-F687-4F45-9708-019B960494DF}">
-              <a14:hiddenLine xmlns:a14="http://schemas.microsoft.com/office/drawing/2010/main" w="9525">
-                <a:solidFill>
-                  <a:schemeClr val="tx1"/>
-                </a:solidFill>
-                <a:miter lim="800000"/>
-                <a:headEnd/>
-                <a:tailEnd/>
-              </a14:hiddenLine>
-            </a:ext>
-            <a:ext uri="{AF507438-7753-43E0-B8FC-AC1667EBCBE1}">
-              <a14:hiddenEffects xmlns:a14="http://schemas.microsoft.com/office/drawing/2010/main">
-                <a:effectLst>
-                  <a:outerShdw dist="35921" dir="2700000" algn="ctr" rotWithShape="0">
-                    <a:schemeClr val="bg2"/>
-                  </a:outerShdw>
-                </a:effectLst>
-              </a14:hiddenEffects>
-            </a:ext>
-          </a:extLst>
-        </p:spPr>
-        <p:txBody>
-          <a:bodyPr vert="horz" wrap="none" lIns="0" tIns="0" rIns="0" bIns="0" numCol="1" anchor="ctr" anchorCtr="0" compatLnSpc="1">
-            <a:prstTxWarp prst="textNoShape">
-              <a:avLst/>
-            </a:prstTxWarp>
-            <a:spAutoFit/>
-          </a:bodyPr>
-          <a:lstStyle/>
-          <a:p>
-            <a:pPr marL="0" marR="0" lvl="0" indent="0" algn="l" defTabSz="914400" rtl="0" eaLnBrk="0" fontAlgn="base" latinLnBrk="0" hangingPunct="0">
-              <a:lnSpc>
-                <a:spcPct val="100000"/>
-              </a:lnSpc>
-              <a:spcBef>
-                <a:spcPct val="0"/>
-              </a:spcBef>
-              <a:spcAft>
-                <a:spcPct val="0"/>
-              </a:spcAft>
-              <a:buClrTx/>
-              <a:buSzTx/>
-              <a:buFontTx/>
-              <a:buNone/>
-              <a:tabLst/>
-            </a:pPr>
-            <a:r>
-              <a:rPr lang="en-US" altLang="en-US" dirty="0"/>
-              <a:t>Log::info(</a:t>
-            </a:r>
-            <a:r>
-              <a:rPr lang="en-US" altLang="en-US" dirty="0" err="1"/>
-              <a:t>print_r</a:t>
-            </a:r>
-            <a:r>
-              <a:rPr lang="en-US" altLang="en-US" dirty="0"/>
-              <a:t>($var, true)); </a:t>
-            </a:r>
-          </a:p>
-        </p:txBody>
-      </p:sp>
-    </p:spTree>
-    <p:extLst>
-      <p:ext uri="{BB962C8B-B14F-4D97-AF65-F5344CB8AC3E}">
-        <p14:creationId xmlns:p14="http://schemas.microsoft.com/office/powerpoint/2010/main" val="4196355209"/>
       </p:ext>
     </p:extLst>
   </p:cSld>
